--- a/讲义.pptx
+++ b/讲义.pptx
@@ -7,6 +7,9 @@
   <p:sldIdLst>
     <p:sldId id="256" r:id="rId2"/>
     <p:sldId id="257" r:id="rId3"/>
+    <p:sldId id="258" r:id="rId4"/>
+    <p:sldId id="259" r:id="rId5"/>
+    <p:sldId id="260" r:id="rId6"/>
   </p:sldIdLst>
   <p:sldSz cx="9144000" cy="6858000" type="screen4x3"/>
   <p:notesSz cx="6858000" cy="9144000"/>
@@ -289,7 +292,7 @@
           <a:p>
             <a:fld id="{631ED3A7-36E3-274E-96C1-33E6A3C7CAD3}" type="datetimeFigureOut">
               <a:rPr kumimoji="1" lang="zh-CN" altLang="en-US" smtClean="0"/>
-              <a:t>8/1/16</a:t>
+              <a:t>8/2/16</a:t>
             </a:fld>
             <a:endParaRPr kumimoji="1" lang="zh-CN" altLang="en-US"/>
           </a:p>
@@ -459,7 +462,7 @@
           <a:p>
             <a:fld id="{631ED3A7-36E3-274E-96C1-33E6A3C7CAD3}" type="datetimeFigureOut">
               <a:rPr kumimoji="1" lang="zh-CN" altLang="en-US" smtClean="0"/>
-              <a:t>8/1/16</a:t>
+              <a:t>8/2/16</a:t>
             </a:fld>
             <a:endParaRPr kumimoji="1" lang="zh-CN" altLang="en-US"/>
           </a:p>
@@ -639,7 +642,7 @@
           <a:p>
             <a:fld id="{631ED3A7-36E3-274E-96C1-33E6A3C7CAD3}" type="datetimeFigureOut">
               <a:rPr kumimoji="1" lang="zh-CN" altLang="en-US" smtClean="0"/>
-              <a:t>8/1/16</a:t>
+              <a:t>8/2/16</a:t>
             </a:fld>
             <a:endParaRPr kumimoji="1" lang="zh-CN" altLang="en-US"/>
           </a:p>
@@ -809,7 +812,7 @@
           <a:p>
             <a:fld id="{631ED3A7-36E3-274E-96C1-33E6A3C7CAD3}" type="datetimeFigureOut">
               <a:rPr kumimoji="1" lang="zh-CN" altLang="en-US" smtClean="0"/>
-              <a:t>8/1/16</a:t>
+              <a:t>8/2/16</a:t>
             </a:fld>
             <a:endParaRPr kumimoji="1" lang="zh-CN" altLang="en-US"/>
           </a:p>
@@ -1055,7 +1058,7 @@
           <a:p>
             <a:fld id="{631ED3A7-36E3-274E-96C1-33E6A3C7CAD3}" type="datetimeFigureOut">
               <a:rPr kumimoji="1" lang="zh-CN" altLang="en-US" smtClean="0"/>
-              <a:t>8/1/16</a:t>
+              <a:t>8/2/16</a:t>
             </a:fld>
             <a:endParaRPr kumimoji="1" lang="zh-CN" altLang="en-US"/>
           </a:p>
@@ -1343,7 +1346,7 @@
           <a:p>
             <a:fld id="{631ED3A7-36E3-274E-96C1-33E6A3C7CAD3}" type="datetimeFigureOut">
               <a:rPr kumimoji="1" lang="zh-CN" altLang="en-US" smtClean="0"/>
-              <a:t>8/1/16</a:t>
+              <a:t>8/2/16</a:t>
             </a:fld>
             <a:endParaRPr kumimoji="1" lang="zh-CN" altLang="en-US"/>
           </a:p>
@@ -1765,7 +1768,7 @@
           <a:p>
             <a:fld id="{631ED3A7-36E3-274E-96C1-33E6A3C7CAD3}" type="datetimeFigureOut">
               <a:rPr kumimoji="1" lang="zh-CN" altLang="en-US" smtClean="0"/>
-              <a:t>8/1/16</a:t>
+              <a:t>8/2/16</a:t>
             </a:fld>
             <a:endParaRPr kumimoji="1" lang="zh-CN" altLang="en-US"/>
           </a:p>
@@ -1883,7 +1886,7 @@
           <a:p>
             <a:fld id="{631ED3A7-36E3-274E-96C1-33E6A3C7CAD3}" type="datetimeFigureOut">
               <a:rPr kumimoji="1" lang="zh-CN" altLang="en-US" smtClean="0"/>
-              <a:t>8/1/16</a:t>
+              <a:t>8/2/16</a:t>
             </a:fld>
             <a:endParaRPr kumimoji="1" lang="zh-CN" altLang="en-US"/>
           </a:p>
@@ -1978,7 +1981,7 @@
           <a:p>
             <a:fld id="{631ED3A7-36E3-274E-96C1-33E6A3C7CAD3}" type="datetimeFigureOut">
               <a:rPr kumimoji="1" lang="zh-CN" altLang="en-US" smtClean="0"/>
-              <a:t>8/1/16</a:t>
+              <a:t>8/2/16</a:t>
             </a:fld>
             <a:endParaRPr kumimoji="1" lang="zh-CN" altLang="en-US"/>
           </a:p>
@@ -2255,7 +2258,7 @@
           <a:p>
             <a:fld id="{631ED3A7-36E3-274E-96C1-33E6A3C7CAD3}" type="datetimeFigureOut">
               <a:rPr kumimoji="1" lang="zh-CN" altLang="en-US" smtClean="0"/>
-              <a:t>8/1/16</a:t>
+              <a:t>8/2/16</a:t>
             </a:fld>
             <a:endParaRPr kumimoji="1" lang="zh-CN" altLang="en-US"/>
           </a:p>
@@ -2508,7 +2511,7 @@
           <a:p>
             <a:fld id="{631ED3A7-36E3-274E-96C1-33E6A3C7CAD3}" type="datetimeFigureOut">
               <a:rPr kumimoji="1" lang="zh-CN" altLang="en-US" smtClean="0"/>
-              <a:t>8/1/16</a:t>
+              <a:t>8/2/16</a:t>
             </a:fld>
             <a:endParaRPr kumimoji="1" lang="zh-CN" altLang="en-US"/>
           </a:p>
@@ -2721,7 +2724,7 @@
           <a:p>
             <a:fld id="{631ED3A7-36E3-274E-96C1-33E6A3C7CAD3}" type="datetimeFigureOut">
               <a:rPr kumimoji="1" lang="zh-CN" altLang="en-US" smtClean="0"/>
-              <a:t>8/1/16</a:t>
+              <a:t>8/2/16</a:t>
             </a:fld>
             <a:endParaRPr kumimoji="1" lang="zh-CN" altLang="en-US"/>
           </a:p>
@@ -3230,6 +3233,259 @@
     <p:extLst>
       <p:ext uri="{BB962C8B-B14F-4D97-AF65-F5344CB8AC3E}">
         <p14:creationId xmlns:p14="http://schemas.microsoft.com/office/powerpoint/2010/main" val="3175572303"/>
+      </p:ext>
+    </p:extLst>
+  </p:cSld>
+  <p:clrMapOvr>
+    <a:masterClrMapping/>
+  </p:clrMapOvr>
+</p:sld>
+</file>
+
+<file path=ppt/slides/slide3.xml><?xml version="1.0" encoding="utf-8"?>
+<p:sld xmlns:a="http://schemas.openxmlformats.org/drawingml/2006/main" xmlns:r="http://schemas.openxmlformats.org/officeDocument/2006/relationships" xmlns:p="http://schemas.openxmlformats.org/presentationml/2006/main">
+  <p:cSld>
+    <p:spTree>
+      <p:nvGrpSpPr>
+        <p:cNvPr id="1" name=""/>
+        <p:cNvGrpSpPr/>
+        <p:nvPr/>
+      </p:nvGrpSpPr>
+      <p:grpSpPr>
+        <a:xfrm>
+          <a:off x="0" y="0"/>
+          <a:ext cx="0" cy="0"/>
+          <a:chOff x="0" y="0"/>
+          <a:chExt cx="0" cy="0"/>
+        </a:xfrm>
+      </p:grpSpPr>
+      <p:sp>
+        <p:nvSpPr>
+          <p:cNvPr id="2" name="标题 1"/>
+          <p:cNvSpPr>
+            <a:spLocks noGrp="1"/>
+          </p:cNvSpPr>
+          <p:nvPr>
+            <p:ph type="title"/>
+          </p:nvPr>
+        </p:nvSpPr>
+        <p:spPr/>
+        <p:txBody>
+          <a:bodyPr/>
+          <a:lstStyle/>
+          <a:p>
+            <a:r>
+              <a:rPr kumimoji="1" lang="zh-CN" altLang="en-US" dirty="0" smtClean="0"/>
+              <a:t>日志输出</a:t>
+            </a:r>
+            <a:endParaRPr kumimoji="1" lang="zh-CN" altLang="en-US" dirty="0"/>
+          </a:p>
+        </p:txBody>
+      </p:sp>
+      <p:sp>
+        <p:nvSpPr>
+          <p:cNvPr id="3" name="内容占位符 2"/>
+          <p:cNvSpPr>
+            <a:spLocks noGrp="1"/>
+          </p:cNvSpPr>
+          <p:nvPr>
+            <p:ph idx="1"/>
+          </p:nvPr>
+        </p:nvSpPr>
+        <p:spPr/>
+        <p:txBody>
+          <a:bodyPr/>
+          <a:lstStyle/>
+          <a:p>
+            <a:r>
+              <a:rPr kumimoji="1" lang="zh-CN" altLang="en-US" dirty="0" smtClean="0"/>
+              <a:t>普通日志</a:t>
+            </a:r>
+            <a:endParaRPr kumimoji="1" lang="en-US" altLang="zh-CN" dirty="0" smtClean="0"/>
+          </a:p>
+          <a:p>
+            <a:r>
+              <a:rPr kumimoji="1" lang="zh-CN" altLang="en-US" dirty="0" smtClean="0"/>
+              <a:t>警告日志</a:t>
+            </a:r>
+            <a:endParaRPr kumimoji="1" lang="en-US" altLang="zh-CN" dirty="0" smtClean="0"/>
+          </a:p>
+          <a:p>
+            <a:r>
+              <a:rPr kumimoji="1" lang="zh-CN" altLang="en-US" dirty="0" smtClean="0"/>
+              <a:t>错误日志</a:t>
+            </a:r>
+            <a:endParaRPr kumimoji="1" lang="en-US" altLang="zh-CN" dirty="0" smtClean="0"/>
+          </a:p>
+          <a:p>
+            <a:r>
+              <a:rPr kumimoji="1" lang="zh-CN" altLang="en-US" dirty="0" smtClean="0"/>
+              <a:t>信息日志</a:t>
+            </a:r>
+            <a:endParaRPr kumimoji="1" lang="zh-CN" altLang="en-US" dirty="0"/>
+          </a:p>
+        </p:txBody>
+      </p:sp>
+    </p:spTree>
+    <p:extLst>
+      <p:ext uri="{BB962C8B-B14F-4D97-AF65-F5344CB8AC3E}">
+        <p14:creationId xmlns:p14="http://schemas.microsoft.com/office/powerpoint/2010/main" val="50266452"/>
+      </p:ext>
+    </p:extLst>
+  </p:cSld>
+  <p:clrMapOvr>
+    <a:masterClrMapping/>
+  </p:clrMapOvr>
+</p:sld>
+</file>
+
+<file path=ppt/slides/slide4.xml><?xml version="1.0" encoding="utf-8"?>
+<p:sld xmlns:a="http://schemas.openxmlformats.org/drawingml/2006/main" xmlns:r="http://schemas.openxmlformats.org/officeDocument/2006/relationships" xmlns:p="http://schemas.openxmlformats.org/presentationml/2006/main">
+  <p:cSld>
+    <p:spTree>
+      <p:nvGrpSpPr>
+        <p:cNvPr id="1" name=""/>
+        <p:cNvGrpSpPr/>
+        <p:nvPr/>
+      </p:nvGrpSpPr>
+      <p:grpSpPr>
+        <a:xfrm>
+          <a:off x="0" y="0"/>
+          <a:ext cx="0" cy="0"/>
+          <a:chOff x="0" y="0"/>
+          <a:chExt cx="0" cy="0"/>
+        </a:xfrm>
+      </p:grpSpPr>
+      <p:sp>
+        <p:nvSpPr>
+          <p:cNvPr id="2" name="标题 1"/>
+          <p:cNvSpPr>
+            <a:spLocks noGrp="1"/>
+          </p:cNvSpPr>
+          <p:nvPr>
+            <p:ph type="title"/>
+          </p:nvPr>
+        </p:nvSpPr>
+        <p:spPr/>
+        <p:txBody>
+          <a:bodyPr/>
+          <a:lstStyle/>
+          <a:p>
+            <a:r>
+              <a:rPr kumimoji="1" lang="zh-CN" altLang="en-US" dirty="0" smtClean="0"/>
+              <a:t>基本类型</a:t>
+            </a:r>
+            <a:endParaRPr kumimoji="1" lang="zh-CN" altLang="en-US" dirty="0"/>
+          </a:p>
+        </p:txBody>
+      </p:sp>
+      <p:sp>
+        <p:nvSpPr>
+          <p:cNvPr id="3" name="内容占位符 2"/>
+          <p:cNvSpPr>
+            <a:spLocks noGrp="1"/>
+          </p:cNvSpPr>
+          <p:nvPr>
+            <p:ph idx="1"/>
+          </p:nvPr>
+        </p:nvSpPr>
+        <p:spPr/>
+        <p:txBody>
+          <a:bodyPr/>
+          <a:lstStyle/>
+          <a:p>
+            <a:r>
+              <a:rPr kumimoji="1" lang="en-US" altLang="zh-CN" dirty="0" err="1" smtClean="0"/>
+              <a:t>NaN</a:t>
+            </a:r>
+            <a:r>
+              <a:rPr kumimoji="1" lang="en-US" altLang="zh-CN" dirty="0" smtClean="0"/>
+              <a:t> (Not a number)</a:t>
+            </a:r>
+            <a:endParaRPr kumimoji="1" lang="zh-CN" altLang="en-US" dirty="0"/>
+          </a:p>
+        </p:txBody>
+      </p:sp>
+    </p:spTree>
+    <p:extLst>
+      <p:ext uri="{BB962C8B-B14F-4D97-AF65-F5344CB8AC3E}">
+        <p14:creationId xmlns:p14="http://schemas.microsoft.com/office/powerpoint/2010/main" val="1776942110"/>
+      </p:ext>
+    </p:extLst>
+  </p:cSld>
+  <p:clrMapOvr>
+    <a:masterClrMapping/>
+  </p:clrMapOvr>
+</p:sld>
+</file>
+
+<file path=ppt/slides/slide5.xml><?xml version="1.0" encoding="utf-8"?>
+<p:sld xmlns:a="http://schemas.openxmlformats.org/drawingml/2006/main" xmlns:r="http://schemas.openxmlformats.org/officeDocument/2006/relationships" xmlns:p="http://schemas.openxmlformats.org/presentationml/2006/main">
+  <p:cSld>
+    <p:spTree>
+      <p:nvGrpSpPr>
+        <p:cNvPr id="1" name=""/>
+        <p:cNvGrpSpPr/>
+        <p:nvPr/>
+      </p:nvGrpSpPr>
+      <p:grpSpPr>
+        <a:xfrm>
+          <a:off x="0" y="0"/>
+          <a:ext cx="0" cy="0"/>
+          <a:chOff x="0" y="0"/>
+          <a:chExt cx="0" cy="0"/>
+        </a:xfrm>
+      </p:grpSpPr>
+      <p:sp>
+        <p:nvSpPr>
+          <p:cNvPr id="2" name="标题 1"/>
+          <p:cNvSpPr>
+            <a:spLocks noGrp="1"/>
+          </p:cNvSpPr>
+          <p:nvPr>
+            <p:ph type="title"/>
+          </p:nvPr>
+        </p:nvSpPr>
+        <p:spPr/>
+        <p:txBody>
+          <a:bodyPr/>
+          <a:lstStyle/>
+          <a:p>
+            <a:r>
+              <a:rPr kumimoji="1" lang="zh-CN" altLang="en-US" dirty="0" smtClean="0"/>
+              <a:t>基本语法</a:t>
+            </a:r>
+            <a:endParaRPr kumimoji="1" lang="zh-CN" altLang="en-US" dirty="0"/>
+          </a:p>
+        </p:txBody>
+      </p:sp>
+      <p:sp>
+        <p:nvSpPr>
+          <p:cNvPr id="3" name="内容占位符 2"/>
+          <p:cNvSpPr>
+            <a:spLocks noGrp="1"/>
+          </p:cNvSpPr>
+          <p:nvPr>
+            <p:ph idx="1"/>
+          </p:nvPr>
+        </p:nvSpPr>
+        <p:spPr/>
+        <p:txBody>
+          <a:bodyPr/>
+          <a:lstStyle/>
+          <a:p>
+            <a:r>
+              <a:rPr kumimoji="1" lang="zh-CN" altLang="en-US" dirty="0" smtClean="0"/>
+              <a:t>声明变量</a:t>
+            </a:r>
+            <a:endParaRPr kumimoji="1" lang="zh-CN" altLang="en-US" dirty="0"/>
+          </a:p>
+        </p:txBody>
+      </p:sp>
+    </p:spTree>
+    <p:extLst>
+      <p:ext uri="{BB962C8B-B14F-4D97-AF65-F5344CB8AC3E}">
+        <p14:creationId xmlns:p14="http://schemas.microsoft.com/office/powerpoint/2010/main" val="4283289315"/>
       </p:ext>
     </p:extLst>
   </p:cSld>

--- a/讲义.pptx
+++ b/讲义.pptx
@@ -7,9 +7,11 @@
   <p:sldIdLst>
     <p:sldId id="256" r:id="rId2"/>
     <p:sldId id="257" r:id="rId3"/>
-    <p:sldId id="258" r:id="rId4"/>
-    <p:sldId id="259" r:id="rId5"/>
-    <p:sldId id="260" r:id="rId6"/>
+    <p:sldId id="260" r:id="rId4"/>
+    <p:sldId id="258" r:id="rId5"/>
+    <p:sldId id="259" r:id="rId6"/>
+    <p:sldId id="261" r:id="rId7"/>
+    <p:sldId id="262" r:id="rId8"/>
   </p:sldIdLst>
   <p:sldSz cx="9144000" cy="6858000" type="screen4x3"/>
   <p:notesSz cx="6858000" cy="9144000"/>
@@ -292,7 +294,7 @@
           <a:p>
             <a:fld id="{631ED3A7-36E3-274E-96C1-33E6A3C7CAD3}" type="datetimeFigureOut">
               <a:rPr kumimoji="1" lang="zh-CN" altLang="en-US" smtClean="0"/>
-              <a:t>8/2/16</a:t>
+              <a:t>8/3/16</a:t>
             </a:fld>
             <a:endParaRPr kumimoji="1" lang="zh-CN" altLang="en-US"/>
           </a:p>
@@ -462,7 +464,7 @@
           <a:p>
             <a:fld id="{631ED3A7-36E3-274E-96C1-33E6A3C7CAD3}" type="datetimeFigureOut">
               <a:rPr kumimoji="1" lang="zh-CN" altLang="en-US" smtClean="0"/>
-              <a:t>8/2/16</a:t>
+              <a:t>8/3/16</a:t>
             </a:fld>
             <a:endParaRPr kumimoji="1" lang="zh-CN" altLang="en-US"/>
           </a:p>
@@ -642,7 +644,7 @@
           <a:p>
             <a:fld id="{631ED3A7-36E3-274E-96C1-33E6A3C7CAD3}" type="datetimeFigureOut">
               <a:rPr kumimoji="1" lang="zh-CN" altLang="en-US" smtClean="0"/>
-              <a:t>8/2/16</a:t>
+              <a:t>8/3/16</a:t>
             </a:fld>
             <a:endParaRPr kumimoji="1" lang="zh-CN" altLang="en-US"/>
           </a:p>
@@ -812,7 +814,7 @@
           <a:p>
             <a:fld id="{631ED3A7-36E3-274E-96C1-33E6A3C7CAD3}" type="datetimeFigureOut">
               <a:rPr kumimoji="1" lang="zh-CN" altLang="en-US" smtClean="0"/>
-              <a:t>8/2/16</a:t>
+              <a:t>8/3/16</a:t>
             </a:fld>
             <a:endParaRPr kumimoji="1" lang="zh-CN" altLang="en-US"/>
           </a:p>
@@ -1058,7 +1060,7 @@
           <a:p>
             <a:fld id="{631ED3A7-36E3-274E-96C1-33E6A3C7CAD3}" type="datetimeFigureOut">
               <a:rPr kumimoji="1" lang="zh-CN" altLang="en-US" smtClean="0"/>
-              <a:t>8/2/16</a:t>
+              <a:t>8/3/16</a:t>
             </a:fld>
             <a:endParaRPr kumimoji="1" lang="zh-CN" altLang="en-US"/>
           </a:p>
@@ -1346,7 +1348,7 @@
           <a:p>
             <a:fld id="{631ED3A7-36E3-274E-96C1-33E6A3C7CAD3}" type="datetimeFigureOut">
               <a:rPr kumimoji="1" lang="zh-CN" altLang="en-US" smtClean="0"/>
-              <a:t>8/2/16</a:t>
+              <a:t>8/3/16</a:t>
             </a:fld>
             <a:endParaRPr kumimoji="1" lang="zh-CN" altLang="en-US"/>
           </a:p>
@@ -1768,7 +1770,7 @@
           <a:p>
             <a:fld id="{631ED3A7-36E3-274E-96C1-33E6A3C7CAD3}" type="datetimeFigureOut">
               <a:rPr kumimoji="1" lang="zh-CN" altLang="en-US" smtClean="0"/>
-              <a:t>8/2/16</a:t>
+              <a:t>8/3/16</a:t>
             </a:fld>
             <a:endParaRPr kumimoji="1" lang="zh-CN" altLang="en-US"/>
           </a:p>
@@ -1886,7 +1888,7 @@
           <a:p>
             <a:fld id="{631ED3A7-36E3-274E-96C1-33E6A3C7CAD3}" type="datetimeFigureOut">
               <a:rPr kumimoji="1" lang="zh-CN" altLang="en-US" smtClean="0"/>
-              <a:t>8/2/16</a:t>
+              <a:t>8/3/16</a:t>
             </a:fld>
             <a:endParaRPr kumimoji="1" lang="zh-CN" altLang="en-US"/>
           </a:p>
@@ -1981,7 +1983,7 @@
           <a:p>
             <a:fld id="{631ED3A7-36E3-274E-96C1-33E6A3C7CAD3}" type="datetimeFigureOut">
               <a:rPr kumimoji="1" lang="zh-CN" altLang="en-US" smtClean="0"/>
-              <a:t>8/2/16</a:t>
+              <a:t>8/3/16</a:t>
             </a:fld>
             <a:endParaRPr kumimoji="1" lang="zh-CN" altLang="en-US"/>
           </a:p>
@@ -2258,7 +2260,7 @@
           <a:p>
             <a:fld id="{631ED3A7-36E3-274E-96C1-33E6A3C7CAD3}" type="datetimeFigureOut">
               <a:rPr kumimoji="1" lang="zh-CN" altLang="en-US" smtClean="0"/>
-              <a:t>8/2/16</a:t>
+              <a:t>8/3/16</a:t>
             </a:fld>
             <a:endParaRPr kumimoji="1" lang="zh-CN" altLang="en-US"/>
           </a:p>
@@ -2511,7 +2513,7 @@
           <a:p>
             <a:fld id="{631ED3A7-36E3-274E-96C1-33E6A3C7CAD3}" type="datetimeFigureOut">
               <a:rPr kumimoji="1" lang="zh-CN" altLang="en-US" smtClean="0"/>
-              <a:t>8/2/16</a:t>
+              <a:t>8/3/16</a:t>
             </a:fld>
             <a:endParaRPr kumimoji="1" lang="zh-CN" altLang="en-US"/>
           </a:p>
@@ -2724,7 +2726,7 @@
           <a:p>
             <a:fld id="{631ED3A7-36E3-274E-96C1-33E6A3C7CAD3}" type="datetimeFigureOut">
               <a:rPr kumimoji="1" lang="zh-CN" altLang="en-US" smtClean="0"/>
-              <a:t>8/2/16</a:t>
+              <a:t>8/3/16</a:t>
             </a:fld>
             <a:endParaRPr kumimoji="1" lang="zh-CN" altLang="en-US"/>
           </a:p>
@@ -3276,7 +3278,7 @@
           <a:p>
             <a:r>
               <a:rPr kumimoji="1" lang="zh-CN" altLang="en-US" dirty="0" smtClean="0"/>
-              <a:t>日志输出</a:t>
+              <a:t>基本语法</a:t>
             </a:r>
             <a:endParaRPr kumimoji="1" lang="zh-CN" altLang="en-US" dirty="0"/>
           </a:p>
@@ -3299,28 +3301,7 @@
           <a:p>
             <a:r>
               <a:rPr kumimoji="1" lang="zh-CN" altLang="en-US" dirty="0" smtClean="0"/>
-              <a:t>普通日志</a:t>
-            </a:r>
-            <a:endParaRPr kumimoji="1" lang="en-US" altLang="zh-CN" dirty="0" smtClean="0"/>
-          </a:p>
-          <a:p>
-            <a:r>
-              <a:rPr kumimoji="1" lang="zh-CN" altLang="en-US" dirty="0" smtClean="0"/>
-              <a:t>警告日志</a:t>
-            </a:r>
-            <a:endParaRPr kumimoji="1" lang="en-US" altLang="zh-CN" dirty="0" smtClean="0"/>
-          </a:p>
-          <a:p>
-            <a:r>
-              <a:rPr kumimoji="1" lang="zh-CN" altLang="en-US" dirty="0" smtClean="0"/>
-              <a:t>错误日志</a:t>
-            </a:r>
-            <a:endParaRPr kumimoji="1" lang="en-US" altLang="zh-CN" dirty="0" smtClean="0"/>
-          </a:p>
-          <a:p>
-            <a:r>
-              <a:rPr kumimoji="1" lang="zh-CN" altLang="en-US" dirty="0" smtClean="0"/>
-              <a:t>信息日志</a:t>
+              <a:t>声明变量</a:t>
             </a:r>
             <a:endParaRPr kumimoji="1" lang="zh-CN" altLang="en-US" dirty="0"/>
           </a:p>
@@ -3329,7 +3310,7 @@
     </p:spTree>
     <p:extLst>
       <p:ext uri="{BB962C8B-B14F-4D97-AF65-F5344CB8AC3E}">
-        <p14:creationId xmlns:p14="http://schemas.microsoft.com/office/powerpoint/2010/main" val="50266452"/>
+        <p14:creationId xmlns:p14="http://schemas.microsoft.com/office/powerpoint/2010/main" val="4283289315"/>
       </p:ext>
     </p:extLst>
   </p:cSld>
@@ -3373,7 +3354,7 @@
           <a:p>
             <a:r>
               <a:rPr kumimoji="1" lang="zh-CN" altLang="en-US" dirty="0" smtClean="0"/>
-              <a:t>基本类型</a:t>
+              <a:t>日志输出</a:t>
             </a:r>
             <a:endParaRPr kumimoji="1" lang="zh-CN" altLang="en-US" dirty="0"/>
           </a:p>
@@ -3395,12 +3376,29 @@
           <a:lstStyle/>
           <a:p>
             <a:r>
-              <a:rPr kumimoji="1" lang="en-US" altLang="zh-CN" dirty="0" err="1" smtClean="0"/>
-              <a:t>NaN</a:t>
-            </a:r>
-            <a:r>
-              <a:rPr kumimoji="1" lang="en-US" altLang="zh-CN" dirty="0" smtClean="0"/>
-              <a:t> (Not a number)</a:t>
+              <a:rPr kumimoji="1" lang="zh-CN" altLang="en-US" dirty="0" smtClean="0"/>
+              <a:t>普通日志</a:t>
+            </a:r>
+            <a:endParaRPr kumimoji="1" lang="en-US" altLang="zh-CN" dirty="0" smtClean="0"/>
+          </a:p>
+          <a:p>
+            <a:r>
+              <a:rPr kumimoji="1" lang="zh-CN" altLang="en-US" dirty="0" smtClean="0"/>
+              <a:t>警告日志</a:t>
+            </a:r>
+            <a:endParaRPr kumimoji="1" lang="en-US" altLang="zh-CN" dirty="0" smtClean="0"/>
+          </a:p>
+          <a:p>
+            <a:r>
+              <a:rPr kumimoji="1" lang="zh-CN" altLang="en-US" dirty="0" smtClean="0"/>
+              <a:t>错误日志</a:t>
+            </a:r>
+            <a:endParaRPr kumimoji="1" lang="en-US" altLang="zh-CN" dirty="0" smtClean="0"/>
+          </a:p>
+          <a:p>
+            <a:r>
+              <a:rPr kumimoji="1" lang="zh-CN" altLang="en-US" dirty="0" smtClean="0"/>
+              <a:t>信息日志</a:t>
             </a:r>
             <a:endParaRPr kumimoji="1" lang="zh-CN" altLang="en-US" dirty="0"/>
           </a:p>
@@ -3409,7 +3407,7 @@
     </p:spTree>
     <p:extLst>
       <p:ext uri="{BB962C8B-B14F-4D97-AF65-F5344CB8AC3E}">
-        <p14:creationId xmlns:p14="http://schemas.microsoft.com/office/powerpoint/2010/main" val="1776942110"/>
+        <p14:creationId xmlns:p14="http://schemas.microsoft.com/office/powerpoint/2010/main" val="50266452"/>
       </p:ext>
     </p:extLst>
   </p:cSld>
@@ -3446,14 +3444,35 @@
             <p:ph type="title"/>
           </p:nvPr>
         </p:nvSpPr>
-        <p:spPr/>
+        <p:spPr>
+          <a:xfrm>
+            <a:off x="457200" y="32769"/>
+            <a:ext cx="8229600" cy="1143000"/>
+          </a:xfrm>
+        </p:spPr>
         <p:txBody>
           <a:bodyPr/>
           <a:lstStyle/>
           <a:p>
             <a:r>
               <a:rPr kumimoji="1" lang="zh-CN" altLang="en-US" dirty="0" smtClean="0"/>
-              <a:t>基本语法</a:t>
+              <a:t>基本</a:t>
+            </a:r>
+            <a:r>
+              <a:rPr kumimoji="1" lang="zh-CN" altLang="en-US" dirty="0" smtClean="0"/>
+              <a:t>数据</a:t>
+            </a:r>
+            <a:r>
+              <a:rPr kumimoji="1" lang="zh-CN" altLang="en-US" dirty="0" smtClean="0"/>
+              <a:t>类型</a:t>
+            </a:r>
+            <a:r>
+              <a:rPr kumimoji="1" lang="en-US" altLang="en-US" dirty="0"/>
+              <a:t>、</a:t>
+            </a:r>
+            <a:r>
+              <a:rPr kumimoji="1" lang="zh-CN" altLang="en-US" dirty="0" smtClean="0"/>
+              <a:t>值</a:t>
             </a:r>
             <a:endParaRPr kumimoji="1" lang="zh-CN" altLang="en-US" dirty="0"/>
           </a:p>
@@ -3469,23 +3488,289 @@
             <p:ph idx="1"/>
           </p:nvPr>
         </p:nvSpPr>
-        <p:spPr/>
-        <p:txBody>
-          <a:bodyPr/>
-          <a:lstStyle/>
-          <a:p>
-            <a:r>
-              <a:rPr kumimoji="1" lang="zh-CN" altLang="en-US" dirty="0" smtClean="0"/>
-              <a:t>声明变量</a:t>
-            </a:r>
-            <a:endParaRPr kumimoji="1" lang="zh-CN" altLang="en-US" dirty="0"/>
+        <p:spPr>
+          <a:xfrm>
+            <a:off x="457200" y="967478"/>
+            <a:ext cx="8229600" cy="5890522"/>
+          </a:xfrm>
+        </p:spPr>
+        <p:txBody>
+          <a:bodyPr>
+            <a:normAutofit/>
+          </a:bodyPr>
+          <a:lstStyle/>
+          <a:p>
+            <a:r>
+              <a:rPr kumimoji="1" lang="en-US" altLang="zh-CN" sz="2800" dirty="0" err="1" smtClean="0"/>
+              <a:t>NaN</a:t>
+            </a:r>
+            <a:r>
+              <a:rPr kumimoji="1" lang="en-US" altLang="zh-CN" sz="2800" dirty="0" smtClean="0"/>
+              <a:t> (Not a number</a:t>
+            </a:r>
+            <a:r>
+              <a:rPr kumimoji="1" lang="en-US" altLang="zh-CN" sz="2800" dirty="0" smtClean="0"/>
+              <a:t>)</a:t>
+            </a:r>
+          </a:p>
+          <a:p>
+            <a:r>
+              <a:rPr kumimoji="1" lang="en-US" altLang="zh-CN" sz="2800" dirty="0" smtClean="0"/>
+              <a:t>undefined(</a:t>
+            </a:r>
+            <a:r>
+              <a:rPr kumimoji="1" lang="zh-CN" altLang="en-US" sz="2800" dirty="0" smtClean="0"/>
+              <a:t>未定义，指向该数据的变量既没有类型，又没有值</a:t>
+            </a:r>
+            <a:r>
+              <a:rPr kumimoji="1" lang="en-US" altLang="zh-CN" sz="2800" dirty="0" smtClean="0"/>
+              <a:t>)</a:t>
+            </a:r>
+          </a:p>
+          <a:p>
+            <a:r>
+              <a:rPr kumimoji="1" lang="en-US" altLang="zh-CN" sz="2800" dirty="0"/>
+              <a:t>n</a:t>
+            </a:r>
+            <a:r>
+              <a:rPr kumimoji="1" lang="en-US" altLang="zh-CN" sz="2800" dirty="0" smtClean="0"/>
+              <a:t>ull(</a:t>
+            </a:r>
+            <a:r>
+              <a:rPr kumimoji="1" lang="zh-CN" altLang="en-US" sz="2800" dirty="0" smtClean="0"/>
+              <a:t>空值，指向该数据的变量有类型，无值</a:t>
+            </a:r>
+            <a:r>
+              <a:rPr kumimoji="1" lang="en-US" altLang="zh-CN" sz="2800" dirty="0" smtClean="0"/>
+              <a:t>)</a:t>
+            </a:r>
+          </a:p>
+          <a:p>
+            <a:r>
+              <a:rPr kumimoji="1" lang="en-US" altLang="zh-CN" sz="2800" dirty="0" smtClean="0"/>
+              <a:t>Number</a:t>
+            </a:r>
+          </a:p>
+          <a:p>
+            <a:r>
+              <a:rPr kumimoji="1" lang="en-US" altLang="zh-CN" sz="2800" dirty="0" smtClean="0"/>
+              <a:t>String</a:t>
+            </a:r>
+          </a:p>
+          <a:p>
+            <a:r>
+              <a:rPr kumimoji="1" lang="en-US" altLang="zh-CN" sz="2800" dirty="0" smtClean="0"/>
+              <a:t>Boolean</a:t>
+            </a:r>
+          </a:p>
+          <a:p>
+            <a:r>
+              <a:rPr kumimoji="1" lang="en-US" altLang="zh-CN" sz="2800" dirty="0" smtClean="0"/>
+              <a:t>Array</a:t>
+            </a:r>
+          </a:p>
+          <a:p>
+            <a:r>
+              <a:rPr kumimoji="1" lang="en-US" altLang="zh-CN" sz="2800" dirty="0" smtClean="0"/>
+              <a:t>Object</a:t>
+            </a:r>
+          </a:p>
+          <a:p>
+            <a:r>
+              <a:rPr kumimoji="1" lang="en-US" altLang="zh-CN" sz="2800" dirty="0" err="1" smtClean="0"/>
+              <a:t>typeof</a:t>
+            </a:r>
+            <a:r>
+              <a:rPr kumimoji="1" lang="en-US" altLang="zh-CN" sz="2800" dirty="0" smtClean="0"/>
+              <a:t> </a:t>
+            </a:r>
+            <a:r>
+              <a:rPr kumimoji="1" lang="zh-CN" altLang="en-US" sz="2800" dirty="0" smtClean="0"/>
+              <a:t>用于判断数据的类型</a:t>
+            </a:r>
+            <a:endParaRPr kumimoji="1" lang="zh-CN" altLang="en-US" sz="2800" dirty="0"/>
           </a:p>
         </p:txBody>
       </p:sp>
     </p:spTree>
     <p:extLst>
       <p:ext uri="{BB962C8B-B14F-4D97-AF65-F5344CB8AC3E}">
-        <p14:creationId xmlns:p14="http://schemas.microsoft.com/office/powerpoint/2010/main" val="4283289315"/>
+        <p14:creationId xmlns:p14="http://schemas.microsoft.com/office/powerpoint/2010/main" val="1776942110"/>
+      </p:ext>
+    </p:extLst>
+  </p:cSld>
+  <p:clrMapOvr>
+    <a:masterClrMapping/>
+  </p:clrMapOvr>
+</p:sld>
+</file>
+
+<file path=ppt/slides/slide6.xml><?xml version="1.0" encoding="utf-8"?>
+<p:sld xmlns:a="http://schemas.openxmlformats.org/drawingml/2006/main" xmlns:r="http://schemas.openxmlformats.org/officeDocument/2006/relationships" xmlns:p="http://schemas.openxmlformats.org/presentationml/2006/main">
+  <p:cSld>
+    <p:spTree>
+      <p:nvGrpSpPr>
+        <p:cNvPr id="1" name=""/>
+        <p:cNvGrpSpPr/>
+        <p:nvPr/>
+      </p:nvGrpSpPr>
+      <p:grpSpPr>
+        <a:xfrm>
+          <a:off x="0" y="0"/>
+          <a:ext cx="0" cy="0"/>
+          <a:chOff x="0" y="0"/>
+          <a:chExt cx="0" cy="0"/>
+        </a:xfrm>
+      </p:grpSpPr>
+      <p:sp>
+        <p:nvSpPr>
+          <p:cNvPr id="2" name="标题 1"/>
+          <p:cNvSpPr>
+            <a:spLocks noGrp="1"/>
+          </p:cNvSpPr>
+          <p:nvPr>
+            <p:ph type="title"/>
+          </p:nvPr>
+        </p:nvSpPr>
+        <p:spPr/>
+        <p:txBody>
+          <a:bodyPr/>
+          <a:lstStyle/>
+          <a:p>
+            <a:r>
+              <a:rPr kumimoji="1" lang="zh-CN" altLang="en-US" dirty="0" smtClean="0"/>
+              <a:t>流程控制</a:t>
+            </a:r>
+            <a:endParaRPr kumimoji="1" lang="zh-CN" altLang="en-US" dirty="0"/>
+          </a:p>
+        </p:txBody>
+      </p:sp>
+      <p:sp>
+        <p:nvSpPr>
+          <p:cNvPr id="3" name="内容占位符 2"/>
+          <p:cNvSpPr>
+            <a:spLocks noGrp="1"/>
+          </p:cNvSpPr>
+          <p:nvPr>
+            <p:ph idx="1"/>
+          </p:nvPr>
+        </p:nvSpPr>
+        <p:spPr/>
+        <p:txBody>
+          <a:bodyPr/>
+          <a:lstStyle/>
+          <a:p>
+            <a:r>
+              <a:rPr kumimoji="1" lang="en-US" altLang="zh-CN" dirty="0" smtClean="0"/>
+              <a:t>if .. else </a:t>
+            </a:r>
+            <a:r>
+              <a:rPr kumimoji="1" lang="zh-CN" altLang="en-US" dirty="0" smtClean="0"/>
+              <a:t>语句</a:t>
+            </a:r>
+            <a:endParaRPr kumimoji="1" lang="en-US" altLang="zh-CN" dirty="0" smtClean="0"/>
+          </a:p>
+          <a:p>
+            <a:r>
+              <a:rPr kumimoji="1" lang="en-US" altLang="zh-CN" dirty="0" smtClean="0"/>
+              <a:t>switch .. case </a:t>
+            </a:r>
+            <a:r>
+              <a:rPr kumimoji="1" lang="zh-CN" altLang="en-US" dirty="0" smtClean="0"/>
+              <a:t>语句</a:t>
+            </a:r>
+            <a:endParaRPr kumimoji="1" lang="zh-CN" altLang="en-US" dirty="0"/>
+          </a:p>
+        </p:txBody>
+      </p:sp>
+    </p:spTree>
+    <p:extLst>
+      <p:ext uri="{BB962C8B-B14F-4D97-AF65-F5344CB8AC3E}">
+        <p14:creationId xmlns:p14="http://schemas.microsoft.com/office/powerpoint/2010/main" val="574879964"/>
+      </p:ext>
+    </p:extLst>
+  </p:cSld>
+  <p:clrMapOvr>
+    <a:masterClrMapping/>
+  </p:clrMapOvr>
+</p:sld>
+</file>
+
+<file path=ppt/slides/slide7.xml><?xml version="1.0" encoding="utf-8"?>
+<p:sld xmlns:a="http://schemas.openxmlformats.org/drawingml/2006/main" xmlns:r="http://schemas.openxmlformats.org/officeDocument/2006/relationships" xmlns:p="http://schemas.openxmlformats.org/presentationml/2006/main">
+  <p:cSld>
+    <p:spTree>
+      <p:nvGrpSpPr>
+        <p:cNvPr id="1" name=""/>
+        <p:cNvGrpSpPr/>
+        <p:nvPr/>
+      </p:nvGrpSpPr>
+      <p:grpSpPr>
+        <a:xfrm>
+          <a:off x="0" y="0"/>
+          <a:ext cx="0" cy="0"/>
+          <a:chOff x="0" y="0"/>
+          <a:chExt cx="0" cy="0"/>
+        </a:xfrm>
+      </p:grpSpPr>
+      <p:sp>
+        <p:nvSpPr>
+          <p:cNvPr id="2" name="标题 1"/>
+          <p:cNvSpPr>
+            <a:spLocks noGrp="1"/>
+          </p:cNvSpPr>
+          <p:nvPr>
+            <p:ph type="title"/>
+          </p:nvPr>
+        </p:nvSpPr>
+        <p:spPr/>
+        <p:txBody>
+          <a:bodyPr/>
+          <a:lstStyle/>
+          <a:p>
+            <a:r>
+              <a:rPr kumimoji="1" lang="zh-CN" altLang="en-US" dirty="0" smtClean="0"/>
+              <a:t>名词</a:t>
+            </a:r>
+            <a:endParaRPr kumimoji="1" lang="zh-CN" altLang="en-US" dirty="0"/>
+          </a:p>
+        </p:txBody>
+      </p:sp>
+      <p:sp>
+        <p:nvSpPr>
+          <p:cNvPr id="3" name="内容占位符 2"/>
+          <p:cNvSpPr>
+            <a:spLocks noGrp="1"/>
+          </p:cNvSpPr>
+          <p:nvPr>
+            <p:ph idx="1"/>
+          </p:nvPr>
+        </p:nvSpPr>
+        <p:spPr/>
+        <p:txBody>
+          <a:bodyPr/>
+          <a:lstStyle/>
+          <a:p>
+            <a:r>
+              <a:rPr kumimoji="1" lang="en-US" altLang="zh-CN" dirty="0" smtClean="0"/>
+              <a:t>ES5(</a:t>
+            </a:r>
+            <a:r>
+              <a:rPr kumimoji="1" lang="en-US" altLang="zh-CN" dirty="0" err="1" smtClean="0"/>
+              <a:t>ECMAScript</a:t>
+            </a:r>
+            <a:r>
+              <a:rPr kumimoji="1" lang="en-US" altLang="zh-CN" dirty="0" smtClean="0"/>
+              <a:t>)</a:t>
+            </a:r>
+            <a:endParaRPr kumimoji="1" lang="zh-CN" altLang="en-US" dirty="0"/>
+          </a:p>
+        </p:txBody>
+      </p:sp>
+    </p:spTree>
+    <p:extLst>
+      <p:ext uri="{BB962C8B-B14F-4D97-AF65-F5344CB8AC3E}">
+        <p14:creationId xmlns:p14="http://schemas.microsoft.com/office/powerpoint/2010/main" val="2162500595"/>
       </p:ext>
     </p:extLst>
   </p:cSld>

--- a/讲义.pptx
+++ b/讲义.pptx
@@ -294,7 +294,7 @@
           <a:p>
             <a:fld id="{631ED3A7-36E3-274E-96C1-33E6A3C7CAD3}" type="datetimeFigureOut">
               <a:rPr kumimoji="1" lang="zh-CN" altLang="en-US" smtClean="0"/>
-              <a:t>8/3/16</a:t>
+              <a:t>8/10/16</a:t>
             </a:fld>
             <a:endParaRPr kumimoji="1" lang="zh-CN" altLang="en-US"/>
           </a:p>
@@ -464,7 +464,7 @@
           <a:p>
             <a:fld id="{631ED3A7-36E3-274E-96C1-33E6A3C7CAD3}" type="datetimeFigureOut">
               <a:rPr kumimoji="1" lang="zh-CN" altLang="en-US" smtClean="0"/>
-              <a:t>8/3/16</a:t>
+              <a:t>8/10/16</a:t>
             </a:fld>
             <a:endParaRPr kumimoji="1" lang="zh-CN" altLang="en-US"/>
           </a:p>
@@ -644,7 +644,7 @@
           <a:p>
             <a:fld id="{631ED3A7-36E3-274E-96C1-33E6A3C7CAD3}" type="datetimeFigureOut">
               <a:rPr kumimoji="1" lang="zh-CN" altLang="en-US" smtClean="0"/>
-              <a:t>8/3/16</a:t>
+              <a:t>8/10/16</a:t>
             </a:fld>
             <a:endParaRPr kumimoji="1" lang="zh-CN" altLang="en-US"/>
           </a:p>
@@ -814,7 +814,7 @@
           <a:p>
             <a:fld id="{631ED3A7-36E3-274E-96C1-33E6A3C7CAD3}" type="datetimeFigureOut">
               <a:rPr kumimoji="1" lang="zh-CN" altLang="en-US" smtClean="0"/>
-              <a:t>8/3/16</a:t>
+              <a:t>8/10/16</a:t>
             </a:fld>
             <a:endParaRPr kumimoji="1" lang="zh-CN" altLang="en-US"/>
           </a:p>
@@ -1060,7 +1060,7 @@
           <a:p>
             <a:fld id="{631ED3A7-36E3-274E-96C1-33E6A3C7CAD3}" type="datetimeFigureOut">
               <a:rPr kumimoji="1" lang="zh-CN" altLang="en-US" smtClean="0"/>
-              <a:t>8/3/16</a:t>
+              <a:t>8/10/16</a:t>
             </a:fld>
             <a:endParaRPr kumimoji="1" lang="zh-CN" altLang="en-US"/>
           </a:p>
@@ -1348,7 +1348,7 @@
           <a:p>
             <a:fld id="{631ED3A7-36E3-274E-96C1-33E6A3C7CAD3}" type="datetimeFigureOut">
               <a:rPr kumimoji="1" lang="zh-CN" altLang="en-US" smtClean="0"/>
-              <a:t>8/3/16</a:t>
+              <a:t>8/10/16</a:t>
             </a:fld>
             <a:endParaRPr kumimoji="1" lang="zh-CN" altLang="en-US"/>
           </a:p>
@@ -1770,7 +1770,7 @@
           <a:p>
             <a:fld id="{631ED3A7-36E3-274E-96C1-33E6A3C7CAD3}" type="datetimeFigureOut">
               <a:rPr kumimoji="1" lang="zh-CN" altLang="en-US" smtClean="0"/>
-              <a:t>8/3/16</a:t>
+              <a:t>8/10/16</a:t>
             </a:fld>
             <a:endParaRPr kumimoji="1" lang="zh-CN" altLang="en-US"/>
           </a:p>
@@ -1888,7 +1888,7 @@
           <a:p>
             <a:fld id="{631ED3A7-36E3-274E-96C1-33E6A3C7CAD3}" type="datetimeFigureOut">
               <a:rPr kumimoji="1" lang="zh-CN" altLang="en-US" smtClean="0"/>
-              <a:t>8/3/16</a:t>
+              <a:t>8/10/16</a:t>
             </a:fld>
             <a:endParaRPr kumimoji="1" lang="zh-CN" altLang="en-US"/>
           </a:p>
@@ -1983,7 +1983,7 @@
           <a:p>
             <a:fld id="{631ED3A7-36E3-274E-96C1-33E6A3C7CAD3}" type="datetimeFigureOut">
               <a:rPr kumimoji="1" lang="zh-CN" altLang="en-US" smtClean="0"/>
-              <a:t>8/3/16</a:t>
+              <a:t>8/10/16</a:t>
             </a:fld>
             <a:endParaRPr kumimoji="1" lang="zh-CN" altLang="en-US"/>
           </a:p>
@@ -2260,7 +2260,7 @@
           <a:p>
             <a:fld id="{631ED3A7-36E3-274E-96C1-33E6A3C7CAD3}" type="datetimeFigureOut">
               <a:rPr kumimoji="1" lang="zh-CN" altLang="en-US" smtClean="0"/>
-              <a:t>8/3/16</a:t>
+              <a:t>8/10/16</a:t>
             </a:fld>
             <a:endParaRPr kumimoji="1" lang="zh-CN" altLang="en-US"/>
           </a:p>
@@ -2513,7 +2513,7 @@
           <a:p>
             <a:fld id="{631ED3A7-36E3-274E-96C1-33E6A3C7CAD3}" type="datetimeFigureOut">
               <a:rPr kumimoji="1" lang="zh-CN" altLang="en-US" smtClean="0"/>
-              <a:t>8/3/16</a:t>
+              <a:t>8/10/16</a:t>
             </a:fld>
             <a:endParaRPr kumimoji="1" lang="zh-CN" altLang="en-US"/>
           </a:p>
@@ -2726,7 +2726,7 @@
           <a:p>
             <a:fld id="{631ED3A7-36E3-274E-96C1-33E6A3C7CAD3}" type="datetimeFigureOut">
               <a:rPr kumimoji="1" lang="zh-CN" altLang="en-US" smtClean="0"/>
-              <a:t>8/3/16</a:t>
+              <a:t>8/10/16</a:t>
             </a:fld>
             <a:endParaRPr kumimoji="1" lang="zh-CN" altLang="en-US"/>
           </a:p>
@@ -3456,15 +3456,7 @@
           <a:p>
             <a:r>
               <a:rPr kumimoji="1" lang="zh-CN" altLang="en-US" dirty="0" smtClean="0"/>
-              <a:t>基本</a:t>
-            </a:r>
-            <a:r>
-              <a:rPr kumimoji="1" lang="zh-CN" altLang="en-US" dirty="0" smtClean="0"/>
-              <a:t>数据</a:t>
-            </a:r>
-            <a:r>
-              <a:rPr kumimoji="1" lang="zh-CN" altLang="en-US" dirty="0" smtClean="0"/>
-              <a:t>类型</a:t>
+              <a:t>基本数据类型</a:t>
             </a:r>
             <a:r>
               <a:rPr kumimoji="1" lang="en-US" altLang="en-US" dirty="0"/>
@@ -3506,11 +3498,7 @@
             </a:r>
             <a:r>
               <a:rPr kumimoji="1" lang="en-US" altLang="zh-CN" sz="2800" dirty="0" smtClean="0"/>
-              <a:t> (Not a number</a:t>
-            </a:r>
-            <a:r>
-              <a:rPr kumimoji="1" lang="en-US" altLang="zh-CN" sz="2800" dirty="0" smtClean="0"/>
-              <a:t>)</a:t>
+              <a:t> (Not a number)</a:t>
             </a:r>
           </a:p>
           <a:p>
@@ -3762,6 +3750,18 @@
             <a:r>
               <a:rPr kumimoji="1" lang="en-US" altLang="zh-CN" dirty="0" smtClean="0"/>
               <a:t>)</a:t>
+            </a:r>
+          </a:p>
+          <a:p>
+            <a:r>
+              <a:rPr kumimoji="1" lang="en-US" altLang="zh-CN" dirty="0" smtClean="0"/>
+              <a:t>DOM(Document Object Model)</a:t>
+            </a:r>
+          </a:p>
+          <a:p>
+            <a:r>
+              <a:rPr kumimoji="1" lang="en-US" altLang="zh-CN" dirty="0" smtClean="0"/>
+              <a:t>BOM(Browser Object Model)</a:t>
             </a:r>
             <a:endParaRPr kumimoji="1" lang="zh-CN" altLang="en-US" dirty="0"/>
           </a:p>
